--- a/Webinar/10 UpGrad - Advancement of Machine Learning for Data Security/Advancement of Machine Learning for Data Security.pptx
+++ b/Webinar/10 UpGrad - Advancement of Machine Learning for Data Security/Advancement of Machine Learning for Data Security.pptx
@@ -281,7 +281,7 @@
           <a:p>
             <a:fld id="{FEC1E092-1ED1-4761-85D1-EEE54D1D70F3}" type="datetimeFigureOut">
               <a:rPr lang="en-US" smtClean="0"/>
-              <a:t>21-Feb-22</a:t>
+              <a:t>25-May-22</a:t>
             </a:fld>
             <a:endParaRPr lang="en-US" dirty="0"/>
           </a:p>
@@ -1943,7 +1943,7 @@
             <a:fld id="{93B45646-DC20-4B9A-BA6C-96B87E2ABB20}" type="datetimeFigureOut">
               <a:rPr lang="en-US" smtClean="0"/>
               <a:pPr/>
-              <a:t>21-Feb-22</a:t>
+              <a:t>25-May-22</a:t>
             </a:fld>
             <a:endParaRPr lang="en-US" dirty="0"/>
           </a:p>
@@ -2242,7 +2242,7 @@
             <a:fld id="{93B45646-DC20-4B9A-BA6C-96B87E2ABB20}" type="datetimeFigureOut">
               <a:rPr lang="en-US" smtClean="0"/>
               <a:pPr/>
-              <a:t>21-Feb-22</a:t>
+              <a:t>25-May-22</a:t>
             </a:fld>
             <a:endParaRPr lang="en-US" dirty="0"/>
           </a:p>
@@ -2575,7 +2575,7 @@
             <a:fld id="{93B45646-DC20-4B9A-BA6C-96B87E2ABB20}" type="datetimeFigureOut">
               <a:rPr lang="en-US" smtClean="0"/>
               <a:pPr/>
-              <a:t>21-Feb-22</a:t>
+              <a:t>25-May-22</a:t>
             </a:fld>
             <a:endParaRPr lang="en-US" dirty="0"/>
           </a:p>
@@ -2970,7 +2970,7 @@
             <a:fld id="{93B45646-DC20-4B9A-BA6C-96B87E2ABB20}" type="datetimeFigureOut">
               <a:rPr lang="en-US" smtClean="0"/>
               <a:pPr/>
-              <a:t>21-Feb-22</a:t>
+              <a:t>25-May-22</a:t>
             </a:fld>
             <a:endParaRPr lang="en-US" dirty="0"/>
           </a:p>
@@ -3519,7 +3519,7 @@
             <a:fld id="{93B45646-DC20-4B9A-BA6C-96B87E2ABB20}" type="datetimeFigureOut">
               <a:rPr lang="en-US" smtClean="0"/>
               <a:pPr/>
-              <a:t>21-Feb-22</a:t>
+              <a:t>25-May-22</a:t>
             </a:fld>
             <a:endParaRPr lang="en-US" dirty="0"/>
           </a:p>
@@ -3722,7 +3722,7 @@
             <a:fld id="{93B45646-DC20-4B9A-BA6C-96B87E2ABB20}" type="datetimeFigureOut">
               <a:rPr lang="en-US" smtClean="0"/>
               <a:pPr/>
-              <a:t>21-Feb-22</a:t>
+              <a:t>25-May-22</a:t>
             </a:fld>
             <a:endParaRPr lang="en-US" dirty="0"/>
           </a:p>
@@ -3882,7 +3882,7 @@
             <a:fld id="{93B45646-DC20-4B9A-BA6C-96B87E2ABB20}" type="datetimeFigureOut">
               <a:rPr lang="en-US" smtClean="0"/>
               <a:pPr/>
-              <a:t>21-Feb-22</a:t>
+              <a:t>25-May-22</a:t>
             </a:fld>
             <a:endParaRPr lang="en-US" dirty="0"/>
           </a:p>
